--- a/Day6/GenAI-Day6.pptx
+++ b/Day6/GenAI-Day6.pptx
@@ -290,7 +290,7 @@
             <a:fld id="{89422B9B-649C-48E0-9CF0-737B1ACCBF29}" type="datetimeFigureOut">
               <a:rPr lang="en-US" smtClean="0"/>
               <a:pPr/>
-              <a:t>11/28/2024</a:t>
+              <a:t>11/29/2024</a:t>
             </a:fld>
             <a:endParaRPr lang="en-US"/>
           </a:p>
@@ -490,7 +490,7 @@
             <a:fld id="{89422B9B-649C-48E0-9CF0-737B1ACCBF29}" type="datetimeFigureOut">
               <a:rPr lang="en-US" smtClean="0"/>
               <a:pPr/>
-              <a:t>11/28/2024</a:t>
+              <a:t>11/29/2024</a:t>
             </a:fld>
             <a:endParaRPr lang="en-US"/>
           </a:p>
@@ -700,7 +700,7 @@
             <a:fld id="{89422B9B-649C-48E0-9CF0-737B1ACCBF29}" type="datetimeFigureOut">
               <a:rPr lang="en-US" smtClean="0"/>
               <a:pPr/>
-              <a:t>11/28/2024</a:t>
+              <a:t>11/29/2024</a:t>
             </a:fld>
             <a:endParaRPr lang="en-US"/>
           </a:p>
@@ -900,7 +900,7 @@
             <a:fld id="{89422B9B-649C-48E0-9CF0-737B1ACCBF29}" type="datetimeFigureOut">
               <a:rPr lang="en-US" smtClean="0"/>
               <a:pPr/>
-              <a:t>11/28/2024</a:t>
+              <a:t>11/29/2024</a:t>
             </a:fld>
             <a:endParaRPr lang="en-US"/>
           </a:p>
@@ -1177,7 +1177,7 @@
             <a:fld id="{89422B9B-649C-48E0-9CF0-737B1ACCBF29}" type="datetimeFigureOut">
               <a:rPr lang="en-US" smtClean="0"/>
               <a:pPr/>
-              <a:t>11/28/2024</a:t>
+              <a:t>11/29/2024</a:t>
             </a:fld>
             <a:endParaRPr lang="en-US"/>
           </a:p>
@@ -1444,7 +1444,7 @@
             <a:fld id="{89422B9B-649C-48E0-9CF0-737B1ACCBF29}" type="datetimeFigureOut">
               <a:rPr lang="en-US" smtClean="0"/>
               <a:pPr/>
-              <a:t>11/28/2024</a:t>
+              <a:t>11/29/2024</a:t>
             </a:fld>
             <a:endParaRPr lang="en-US"/>
           </a:p>
@@ -1858,7 +1858,7 @@
             <a:fld id="{89422B9B-649C-48E0-9CF0-737B1ACCBF29}" type="datetimeFigureOut">
               <a:rPr lang="en-US" smtClean="0"/>
               <a:pPr/>
-              <a:t>11/28/2024</a:t>
+              <a:t>11/29/2024</a:t>
             </a:fld>
             <a:endParaRPr lang="en-US"/>
           </a:p>
@@ -2001,7 +2001,7 @@
             <a:fld id="{89422B9B-649C-48E0-9CF0-737B1ACCBF29}" type="datetimeFigureOut">
               <a:rPr lang="en-US" smtClean="0"/>
               <a:pPr/>
-              <a:t>11/28/2024</a:t>
+              <a:t>11/29/2024</a:t>
             </a:fld>
             <a:endParaRPr lang="en-US"/>
           </a:p>
@@ -2116,7 +2116,7 @@
             <a:fld id="{89422B9B-649C-48E0-9CF0-737B1ACCBF29}" type="datetimeFigureOut">
               <a:rPr lang="en-US" smtClean="0"/>
               <a:pPr/>
-              <a:t>11/28/2024</a:t>
+              <a:t>11/29/2024</a:t>
             </a:fld>
             <a:endParaRPr lang="en-US"/>
           </a:p>
@@ -2429,7 +2429,7 @@
             <a:fld id="{89422B9B-649C-48E0-9CF0-737B1ACCBF29}" type="datetimeFigureOut">
               <a:rPr lang="en-US" smtClean="0"/>
               <a:pPr/>
-              <a:t>11/28/2024</a:t>
+              <a:t>11/29/2024</a:t>
             </a:fld>
             <a:endParaRPr lang="en-US"/>
           </a:p>
@@ -2719,7 +2719,7 @@
             <a:fld id="{89422B9B-649C-48E0-9CF0-737B1ACCBF29}" type="datetimeFigureOut">
               <a:rPr lang="en-US" smtClean="0"/>
               <a:pPr/>
-              <a:t>11/28/2024</a:t>
+              <a:t>11/29/2024</a:t>
             </a:fld>
             <a:endParaRPr lang="en-US"/>
           </a:p>
@@ -2962,7 +2962,7 @@
             <a:fld id="{89422B9B-649C-48E0-9CF0-737B1ACCBF29}" type="datetimeFigureOut">
               <a:rPr lang="en-US" smtClean="0"/>
               <a:pPr/>
-              <a:t>11/28/2024</a:t>
+              <a:t>11/29/2024</a:t>
             </a:fld>
             <a:endParaRPr lang="en-US"/>
           </a:p>
@@ -4650,6 +4650,24 @@
           </a:bodyPr>
           <a:lstStyle/>
           <a:p>
+            <a:r>
+              <a:rPr lang="en-US" sz="3000" dirty="0">
+                <a:solidFill>
+                  <a:srgbClr val="000398"/>
+                </a:solidFill>
+                <a:latin typeface="Arial Black" pitchFamily="34" charset="0"/>
+              </a:rPr>
+              <a:t>Duplicating Arrays </a:t>
+            </a:r>
+            <a:r>
+              <a:rPr lang="en-US" sz="3000">
+                <a:solidFill>
+                  <a:srgbClr val="000398"/>
+                </a:solidFill>
+                <a:latin typeface="Arial Black" pitchFamily="34" charset="0"/>
+              </a:rPr>
+              <a:t>in NumPy</a:t>
+            </a:r>
             <a:endParaRPr lang="en-US" sz="3000" dirty="0">
               <a:solidFill>
                 <a:srgbClr val="000398"/>
@@ -4659,39 +4677,38 @@
           </a:p>
         </p:txBody>
       </p:sp>
-      <p:sp>
-        <p:nvSpPr>
-          <p:cNvPr id="3" name="Content Placeholder 2">
-            <a:extLst>
-              <a:ext uri="{FF2B5EF4-FFF2-40B4-BE49-F238E27FC236}">
-                <a16:creationId xmlns:a16="http://schemas.microsoft.com/office/drawing/2014/main" id="{0A7B4EB8-811A-45F9-ACC6-D76C6EC4CDEA}"/>
-              </a:ext>
-            </a:extLst>
-          </p:cNvPr>
-          <p:cNvSpPr>
-            <a:spLocks noGrp="1"/>
-          </p:cNvSpPr>
+      <p:pic>
+        <p:nvPicPr>
+          <p:cNvPr id="4" name="Content Placeholder 3">
+            <a:extLst>
+              <a:ext uri="{FF2B5EF4-FFF2-40B4-BE49-F238E27FC236}">
+                <a16:creationId xmlns:a16="http://schemas.microsoft.com/office/drawing/2014/main" id="{4528493C-A8E4-3A8C-5C8B-8424695970FF}"/>
+              </a:ext>
+            </a:extLst>
+          </p:cNvPr>
+          <p:cNvPicPr>
+            <a:picLocks noGrp="1" noChangeAspect="1"/>
+          </p:cNvPicPr>
           <p:nvPr>
             <p:ph idx="1"/>
           </p:nvPr>
-        </p:nvSpPr>
+        </p:nvPicPr>
+        <p:blipFill>
+          <a:blip r:embed="rId3"/>
+          <a:stretch>
+            <a:fillRect/>
+          </a:stretch>
+        </p:blipFill>
         <p:spPr>
           <a:xfrm>
-            <a:off x="342900" y="1229960"/>
-            <a:ext cx="11474926" cy="5282206"/>
+            <a:off x="374174" y="1229960"/>
+            <a:ext cx="11443652" cy="5282206"/>
           </a:xfrm>
+          <a:prstGeom prst="rect">
+            <a:avLst/>
+          </a:prstGeom>
         </p:spPr>
-        <p:txBody>
-          <a:bodyPr/>
-          <a:lstStyle/>
-          <a:p>
-            <a:pPr marL="0" indent="0">
-              <a:buNone/>
-            </a:pPr>
-            <a:endParaRPr lang="en-US" dirty="0"/>
-          </a:p>
-        </p:txBody>
-      </p:sp>
+      </p:pic>
     </p:spTree>
     <p:extLst>
       <p:ext uri="{BB962C8B-B14F-4D97-AF65-F5344CB8AC3E}">
